--- a/Shared Preferences.pptx
+++ b/Shared Preferences.pptx
@@ -6,6 +6,16 @@
   </p:sldMasterIdLst>
   <p:sldIdLst>
     <p:sldId id="256" r:id="rId2"/>
+    <p:sldId id="257" r:id="rId3"/>
+    <p:sldId id="258" r:id="rId4"/>
+    <p:sldId id="259" r:id="rId5"/>
+    <p:sldId id="260" r:id="rId6"/>
+    <p:sldId id="261" r:id="rId7"/>
+    <p:sldId id="262" r:id="rId8"/>
+    <p:sldId id="263" r:id="rId9"/>
+    <p:sldId id="264" r:id="rId10"/>
+    <p:sldId id="266" r:id="rId11"/>
+    <p:sldId id="265" r:id="rId12"/>
   </p:sldIdLst>
   <p:sldSz cx="12192000" cy="6858000"/>
   <p:notesSz cx="6858000" cy="9144000"/>
@@ -104,6 +114,11 @@
       </a:defRPr>
     </a:lvl9pPr>
   </p:defaultTextStyle>
+  <p:extLst>
+    <p:ext uri="{EFAFB233-063F-42B5-8137-9DF3F51BA10A}">
+      <p15:sldGuideLst xmlns:p15="http://schemas.microsoft.com/office/powerpoint/2012/main"/>
+    </p:ext>
+  </p:extLst>
 </p:presentation>
 </file>
 
@@ -6830,6 +6845,135 @@
             <p:ph type="subTitle" idx="1"/>
           </p:nvPr>
         </p:nvSpPr>
+        <p:spPr>
+          <a:xfrm>
+            <a:off x="2166748" y="6115721"/>
+            <a:ext cx="8045373" cy="742279"/>
+          </a:xfrm>
+        </p:spPr>
+        <p:txBody>
+          <a:bodyPr/>
+          <a:lstStyle/>
+          <a:p>
+            <a:r>
+              <a:rPr lang="en-US" dirty="0"/>
+              <a:t>Flutter Course</a:t>
+            </a:r>
+            <a:endParaRPr lang="ar-IL" dirty="0"/>
+          </a:p>
+        </p:txBody>
+      </p:sp>
+    </p:spTree>
+    <p:extLst>
+      <p:ext uri="{BB962C8B-B14F-4D97-AF65-F5344CB8AC3E}">
+        <p14:creationId xmlns:p14="http://schemas.microsoft.com/office/powerpoint/2010/main" val="1244667210"/>
+      </p:ext>
+    </p:extLst>
+  </p:cSld>
+  <p:clrMapOvr>
+    <a:masterClrMapping/>
+  </p:clrMapOvr>
+</p:sld>
+</file>
+
+<file path=ppt/slides/slide10.xml><?xml version="1.0" encoding="utf-8"?>
+<p:sld xmlns:a="http://schemas.openxmlformats.org/drawingml/2006/main" xmlns:r="http://schemas.openxmlformats.org/officeDocument/2006/relationships" xmlns:p="http://schemas.openxmlformats.org/presentationml/2006/main">
+  <p:cSld>
+    <p:spTree>
+      <p:nvGrpSpPr>
+        <p:cNvPr id="1" name=""/>
+        <p:cNvGrpSpPr/>
+        <p:nvPr/>
+      </p:nvGrpSpPr>
+      <p:grpSpPr>
+        <a:xfrm>
+          <a:off x="0" y="0"/>
+          <a:ext cx="0" cy="0"/>
+          <a:chOff x="0" y="0"/>
+          <a:chExt cx="0" cy="0"/>
+        </a:xfrm>
+      </p:grpSpPr>
+      <p:sp>
+        <p:nvSpPr>
+          <p:cNvPr id="2" name="عنوان 1">
+            <a:extLst>
+              <a:ext uri="{FF2B5EF4-FFF2-40B4-BE49-F238E27FC236}">
+                <a16:creationId xmlns:a16="http://schemas.microsoft.com/office/drawing/2014/main" id="{F7D0F86F-32FF-D5FB-6F71-DD138F349E5A}"/>
+              </a:ext>
+            </a:extLst>
+          </p:cNvPr>
+          <p:cNvSpPr>
+            <a:spLocks noGrp="1"/>
+          </p:cNvSpPr>
+          <p:nvPr>
+            <p:ph type="title"/>
+          </p:nvPr>
+        </p:nvSpPr>
+        <p:spPr>
+          <a:xfrm>
+            <a:off x="1006839" y="3429000"/>
+            <a:ext cx="10178322" cy="1492132"/>
+          </a:xfrm>
+        </p:spPr>
+        <p:txBody>
+          <a:bodyPr/>
+          <a:lstStyle/>
+          <a:p>
+            <a:pPr algn="ctr"/>
+            <a:r>
+              <a:rPr lang="en-US" dirty="0"/>
+              <a:t>Database</a:t>
+            </a:r>
+            <a:endParaRPr lang="ar-IL" dirty="0"/>
+          </a:p>
+        </p:txBody>
+      </p:sp>
+    </p:spTree>
+    <p:extLst>
+      <p:ext uri="{BB962C8B-B14F-4D97-AF65-F5344CB8AC3E}">
+        <p14:creationId xmlns:p14="http://schemas.microsoft.com/office/powerpoint/2010/main" val="2008057847"/>
+      </p:ext>
+    </p:extLst>
+  </p:cSld>
+  <p:clrMapOvr>
+    <a:masterClrMapping/>
+  </p:clrMapOvr>
+</p:sld>
+</file>
+
+<file path=ppt/slides/slide11.xml><?xml version="1.0" encoding="utf-8"?>
+<p:sld xmlns:a="http://schemas.openxmlformats.org/drawingml/2006/main" xmlns:r="http://schemas.openxmlformats.org/officeDocument/2006/relationships" xmlns:p="http://schemas.openxmlformats.org/presentationml/2006/main">
+  <p:cSld>
+    <p:spTree>
+      <p:nvGrpSpPr>
+        <p:cNvPr id="1" name=""/>
+        <p:cNvGrpSpPr/>
+        <p:nvPr/>
+      </p:nvGrpSpPr>
+      <p:grpSpPr>
+        <a:xfrm>
+          <a:off x="0" y="0"/>
+          <a:ext cx="0" cy="0"/>
+          <a:chOff x="0" y="0"/>
+          <a:chExt cx="0" cy="0"/>
+        </a:xfrm>
+      </p:grpSpPr>
+      <p:sp>
+        <p:nvSpPr>
+          <p:cNvPr id="2" name="عنوان 1">
+            <a:extLst>
+              <a:ext uri="{FF2B5EF4-FFF2-40B4-BE49-F238E27FC236}">
+                <a16:creationId xmlns:a16="http://schemas.microsoft.com/office/drawing/2014/main" id="{9EBC096A-06A9-A261-E7F4-9442853F7C51}"/>
+              </a:ext>
+            </a:extLst>
+          </p:cNvPr>
+          <p:cNvSpPr>
+            <a:spLocks noGrp="1"/>
+          </p:cNvSpPr>
+          <p:nvPr>
+            <p:ph type="title"/>
+          </p:nvPr>
+        </p:nvSpPr>
         <p:spPr/>
         <p:txBody>
           <a:bodyPr/>
@@ -6839,10 +6983,741 @@
           </a:p>
         </p:txBody>
       </p:sp>
+      <p:sp>
+        <p:nvSpPr>
+          <p:cNvPr id="3" name="عنصر نائب للمحتوى 2">
+            <a:extLst>
+              <a:ext uri="{FF2B5EF4-FFF2-40B4-BE49-F238E27FC236}">
+                <a16:creationId xmlns:a16="http://schemas.microsoft.com/office/drawing/2014/main" id="{C67F7FC8-88F5-6BA4-F04C-4329074266CA}"/>
+              </a:ext>
+            </a:extLst>
+          </p:cNvPr>
+          <p:cNvSpPr>
+            <a:spLocks noGrp="1"/>
+          </p:cNvSpPr>
+          <p:nvPr>
+            <p:ph idx="1"/>
+          </p:nvPr>
+        </p:nvSpPr>
+        <p:spPr/>
+        <p:txBody>
+          <a:bodyPr/>
+          <a:lstStyle/>
+          <a:p>
+            <a:endParaRPr lang="ar-IL"/>
+          </a:p>
+        </p:txBody>
+      </p:sp>
     </p:spTree>
     <p:extLst>
       <p:ext uri="{BB962C8B-B14F-4D97-AF65-F5344CB8AC3E}">
-        <p14:creationId xmlns:p14="http://schemas.microsoft.com/office/powerpoint/2010/main" val="1244667210"/>
+        <p14:creationId xmlns:p14="http://schemas.microsoft.com/office/powerpoint/2010/main" val="4212752631"/>
+      </p:ext>
+    </p:extLst>
+  </p:cSld>
+  <p:clrMapOvr>
+    <a:masterClrMapping/>
+  </p:clrMapOvr>
+</p:sld>
+</file>
+
+<file path=ppt/slides/slide2.xml><?xml version="1.0" encoding="utf-8"?>
+<p:sld xmlns:a="http://schemas.openxmlformats.org/drawingml/2006/main" xmlns:r="http://schemas.openxmlformats.org/officeDocument/2006/relationships" xmlns:p="http://schemas.openxmlformats.org/presentationml/2006/main">
+  <p:cSld>
+    <p:spTree>
+      <p:nvGrpSpPr>
+        <p:cNvPr id="1" name=""/>
+        <p:cNvGrpSpPr/>
+        <p:nvPr/>
+      </p:nvGrpSpPr>
+      <p:grpSpPr>
+        <a:xfrm>
+          <a:off x="0" y="0"/>
+          <a:ext cx="0" cy="0"/>
+          <a:chOff x="0" y="0"/>
+          <a:chExt cx="0" cy="0"/>
+        </a:xfrm>
+      </p:grpSpPr>
+      <p:sp>
+        <p:nvSpPr>
+          <p:cNvPr id="2" name="عنوان 1">
+            <a:extLst>
+              <a:ext uri="{FF2B5EF4-FFF2-40B4-BE49-F238E27FC236}">
+                <a16:creationId xmlns:a16="http://schemas.microsoft.com/office/drawing/2014/main" id="{F7D0F86F-32FF-D5FB-6F71-DD138F349E5A}"/>
+              </a:ext>
+            </a:extLst>
+          </p:cNvPr>
+          <p:cNvSpPr>
+            <a:spLocks noGrp="1"/>
+          </p:cNvSpPr>
+          <p:nvPr>
+            <p:ph type="title"/>
+          </p:nvPr>
+        </p:nvSpPr>
+        <p:spPr>
+          <a:xfrm>
+            <a:off x="1006839" y="3429000"/>
+            <a:ext cx="10178322" cy="1492132"/>
+          </a:xfrm>
+        </p:spPr>
+        <p:txBody>
+          <a:bodyPr/>
+          <a:lstStyle/>
+          <a:p>
+            <a:pPr algn="ctr"/>
+            <a:r>
+              <a:rPr lang="en-US" dirty="0"/>
+              <a:t>Shared Preferences</a:t>
+            </a:r>
+            <a:endParaRPr lang="ar-IL" dirty="0"/>
+          </a:p>
+        </p:txBody>
+      </p:sp>
+    </p:spTree>
+    <p:extLst>
+      <p:ext uri="{BB962C8B-B14F-4D97-AF65-F5344CB8AC3E}">
+        <p14:creationId xmlns:p14="http://schemas.microsoft.com/office/powerpoint/2010/main" val="158198214"/>
+      </p:ext>
+    </p:extLst>
+  </p:cSld>
+  <p:clrMapOvr>
+    <a:masterClrMapping/>
+  </p:clrMapOvr>
+</p:sld>
+</file>
+
+<file path=ppt/slides/slide3.xml><?xml version="1.0" encoding="utf-8"?>
+<p:sld xmlns:a="http://schemas.openxmlformats.org/drawingml/2006/main" xmlns:r="http://schemas.openxmlformats.org/officeDocument/2006/relationships" xmlns:p="http://schemas.openxmlformats.org/presentationml/2006/main">
+  <p:cSld>
+    <p:spTree>
+      <p:nvGrpSpPr>
+        <p:cNvPr id="1" name=""/>
+        <p:cNvGrpSpPr/>
+        <p:nvPr/>
+      </p:nvGrpSpPr>
+      <p:grpSpPr>
+        <a:xfrm>
+          <a:off x="0" y="0"/>
+          <a:ext cx="0" cy="0"/>
+          <a:chOff x="0" y="0"/>
+          <a:chExt cx="0" cy="0"/>
+        </a:xfrm>
+      </p:grpSpPr>
+      <p:sp>
+        <p:nvSpPr>
+          <p:cNvPr id="2" name="عنوان 1">
+            <a:extLst>
+              <a:ext uri="{FF2B5EF4-FFF2-40B4-BE49-F238E27FC236}">
+                <a16:creationId xmlns:a16="http://schemas.microsoft.com/office/drawing/2014/main" id="{831E478F-E044-3A41-8B18-5D6115785296}"/>
+              </a:ext>
+            </a:extLst>
+          </p:cNvPr>
+          <p:cNvSpPr>
+            <a:spLocks noGrp="1"/>
+          </p:cNvSpPr>
+          <p:nvPr>
+            <p:ph type="title"/>
+          </p:nvPr>
+        </p:nvSpPr>
+        <p:spPr/>
+        <p:txBody>
+          <a:bodyPr/>
+          <a:lstStyle/>
+          <a:p>
+            <a:r>
+              <a:rPr lang="en-US" dirty="0"/>
+              <a:t>Abstract</a:t>
+            </a:r>
+            <a:endParaRPr lang="ar-IL" dirty="0"/>
+          </a:p>
+        </p:txBody>
+      </p:sp>
+      <p:pic>
+        <p:nvPicPr>
+          <p:cNvPr id="5" name="رسم 4">
+            <a:extLst>
+              <a:ext uri="{FF2B5EF4-FFF2-40B4-BE49-F238E27FC236}">
+                <a16:creationId xmlns:a16="http://schemas.microsoft.com/office/drawing/2014/main" id="{D5131E7F-FA2D-7E95-E8FB-C6DBF4201391}"/>
+              </a:ext>
+            </a:extLst>
+          </p:cNvPr>
+          <p:cNvPicPr>
+            <a:picLocks noChangeAspect="1"/>
+          </p:cNvPicPr>
+          <p:nvPr/>
+        </p:nvPicPr>
+        <p:blipFill>
+          <a:blip r:embed="rId2">
+            <a:extLst>
+              <a:ext uri="{96DAC541-7B7A-43D3-8B79-37D633B846F1}">
+                <asvg:svgBlip xmlns:asvg="http://schemas.microsoft.com/office/drawing/2016/SVG/main" r:embed="rId3"/>
+              </a:ext>
+            </a:extLst>
+          </a:blip>
+          <a:stretch>
+            <a:fillRect/>
+          </a:stretch>
+        </p:blipFill>
+        <p:spPr>
+          <a:xfrm>
+            <a:off x="3657600" y="1503281"/>
+            <a:ext cx="4876800" cy="4876800"/>
+          </a:xfrm>
+          <a:prstGeom prst="rect">
+            <a:avLst/>
+          </a:prstGeom>
+        </p:spPr>
+      </p:pic>
+    </p:spTree>
+    <p:extLst>
+      <p:ext uri="{BB962C8B-B14F-4D97-AF65-F5344CB8AC3E}">
+        <p14:creationId xmlns:p14="http://schemas.microsoft.com/office/powerpoint/2010/main" val="3875319530"/>
+      </p:ext>
+    </p:extLst>
+  </p:cSld>
+  <p:clrMapOvr>
+    <a:masterClrMapping/>
+  </p:clrMapOvr>
+</p:sld>
+</file>
+
+<file path=ppt/slides/slide4.xml><?xml version="1.0" encoding="utf-8"?>
+<p:sld xmlns:a="http://schemas.openxmlformats.org/drawingml/2006/main" xmlns:r="http://schemas.openxmlformats.org/officeDocument/2006/relationships" xmlns:p="http://schemas.openxmlformats.org/presentationml/2006/main">
+  <p:cSld>
+    <p:spTree>
+      <p:nvGrpSpPr>
+        <p:cNvPr id="1" name=""/>
+        <p:cNvGrpSpPr/>
+        <p:nvPr/>
+      </p:nvGrpSpPr>
+      <p:grpSpPr>
+        <a:xfrm>
+          <a:off x="0" y="0"/>
+          <a:ext cx="0" cy="0"/>
+          <a:chOff x="0" y="0"/>
+          <a:chExt cx="0" cy="0"/>
+        </a:xfrm>
+      </p:grpSpPr>
+      <p:sp>
+        <p:nvSpPr>
+          <p:cNvPr id="2" name="عنوان 1">
+            <a:extLst>
+              <a:ext uri="{FF2B5EF4-FFF2-40B4-BE49-F238E27FC236}">
+                <a16:creationId xmlns:a16="http://schemas.microsoft.com/office/drawing/2014/main" id="{980F9562-066C-149E-F738-12B8082586DD}"/>
+              </a:ext>
+            </a:extLst>
+          </p:cNvPr>
+          <p:cNvSpPr>
+            <a:spLocks noGrp="1"/>
+          </p:cNvSpPr>
+          <p:nvPr>
+            <p:ph type="title"/>
+          </p:nvPr>
+        </p:nvSpPr>
+        <p:spPr/>
+        <p:txBody>
+          <a:bodyPr/>
+          <a:lstStyle/>
+          <a:p>
+            <a:r>
+              <a:rPr lang="en-US" dirty="0"/>
+              <a:t>library</a:t>
+            </a:r>
+            <a:endParaRPr lang="ar-IL" dirty="0"/>
+          </a:p>
+        </p:txBody>
+      </p:sp>
+      <p:sp>
+        <p:nvSpPr>
+          <p:cNvPr id="3" name="عنصر نائب للمحتوى 2">
+            <a:extLst>
+              <a:ext uri="{FF2B5EF4-FFF2-40B4-BE49-F238E27FC236}">
+                <a16:creationId xmlns:a16="http://schemas.microsoft.com/office/drawing/2014/main" id="{55B90DD0-5785-4822-B8C0-07628724533D}"/>
+              </a:ext>
+            </a:extLst>
+          </p:cNvPr>
+          <p:cNvSpPr>
+            <a:spLocks noGrp="1"/>
+          </p:cNvSpPr>
+          <p:nvPr>
+            <p:ph idx="1"/>
+          </p:nvPr>
+        </p:nvSpPr>
+        <p:spPr>
+          <a:xfrm>
+            <a:off x="1251678" y="1389893"/>
+            <a:ext cx="10178322" cy="3593591"/>
+          </a:xfrm>
+        </p:spPr>
+        <p:txBody>
+          <a:bodyPr/>
+          <a:lstStyle/>
+          <a:p>
+            <a:pPr algn="l" rtl="0"/>
+            <a:r>
+              <a:rPr lang="en-US" dirty="0" err="1"/>
+              <a:t>shared_preferences</a:t>
+            </a:r>
+            <a:r>
+              <a:rPr lang="en-US" dirty="0"/>
+              <a:t>: ^2.0.15</a:t>
+            </a:r>
+            <a:endParaRPr lang="ar-IL" dirty="0"/>
+          </a:p>
+        </p:txBody>
+      </p:sp>
+      <p:pic>
+        <p:nvPicPr>
+          <p:cNvPr id="5" name="صورة 4">
+            <a:extLst>
+              <a:ext uri="{FF2B5EF4-FFF2-40B4-BE49-F238E27FC236}">
+                <a16:creationId xmlns:a16="http://schemas.microsoft.com/office/drawing/2014/main" id="{BA8535CB-9E3E-31B8-E92C-0C360C2EDE6A}"/>
+              </a:ext>
+            </a:extLst>
+          </p:cNvPr>
+          <p:cNvPicPr>
+            <a:picLocks noChangeAspect="1"/>
+          </p:cNvPicPr>
+          <p:nvPr/>
+        </p:nvPicPr>
+        <p:blipFill>
+          <a:blip r:embed="rId2"/>
+          <a:stretch>
+            <a:fillRect/>
+          </a:stretch>
+        </p:blipFill>
+        <p:spPr>
+          <a:xfrm>
+            <a:off x="2048601" y="2193936"/>
+            <a:ext cx="7609606" cy="3000162"/>
+          </a:xfrm>
+          <a:prstGeom prst="rect">
+            <a:avLst/>
+          </a:prstGeom>
+        </p:spPr>
+      </p:pic>
+    </p:spTree>
+    <p:extLst>
+      <p:ext uri="{BB962C8B-B14F-4D97-AF65-F5344CB8AC3E}">
+        <p14:creationId xmlns:p14="http://schemas.microsoft.com/office/powerpoint/2010/main" val="1333736670"/>
+      </p:ext>
+    </p:extLst>
+  </p:cSld>
+  <p:clrMapOvr>
+    <a:masterClrMapping/>
+  </p:clrMapOvr>
+</p:sld>
+</file>
+
+<file path=ppt/slides/slide5.xml><?xml version="1.0" encoding="utf-8"?>
+<p:sld xmlns:a="http://schemas.openxmlformats.org/drawingml/2006/main" xmlns:r="http://schemas.openxmlformats.org/officeDocument/2006/relationships" xmlns:p="http://schemas.openxmlformats.org/presentationml/2006/main">
+  <p:cSld>
+    <p:spTree>
+      <p:nvGrpSpPr>
+        <p:cNvPr id="1" name=""/>
+        <p:cNvGrpSpPr/>
+        <p:nvPr/>
+      </p:nvGrpSpPr>
+      <p:grpSpPr>
+        <a:xfrm>
+          <a:off x="0" y="0"/>
+          <a:ext cx="0" cy="0"/>
+          <a:chOff x="0" y="0"/>
+          <a:chExt cx="0" cy="0"/>
+        </a:xfrm>
+      </p:grpSpPr>
+      <p:sp>
+        <p:nvSpPr>
+          <p:cNvPr id="2" name="عنوان 1">
+            <a:extLst>
+              <a:ext uri="{FF2B5EF4-FFF2-40B4-BE49-F238E27FC236}">
+                <a16:creationId xmlns:a16="http://schemas.microsoft.com/office/drawing/2014/main" id="{0A9C6D3D-E385-CFBE-E34E-91BEB0EF54C4}"/>
+              </a:ext>
+            </a:extLst>
+          </p:cNvPr>
+          <p:cNvSpPr>
+            <a:spLocks noGrp="1"/>
+          </p:cNvSpPr>
+          <p:nvPr>
+            <p:ph type="title"/>
+          </p:nvPr>
+        </p:nvSpPr>
+        <p:spPr/>
+        <p:txBody>
+          <a:bodyPr/>
+          <a:lstStyle/>
+          <a:p>
+            <a:r>
+              <a:rPr lang="en-US" dirty="0"/>
+              <a:t>Add Values</a:t>
+            </a:r>
+            <a:endParaRPr lang="ar-IL" dirty="0"/>
+          </a:p>
+        </p:txBody>
+      </p:sp>
+      <p:pic>
+        <p:nvPicPr>
+          <p:cNvPr id="7" name="صورة 6">
+            <a:extLst>
+              <a:ext uri="{FF2B5EF4-FFF2-40B4-BE49-F238E27FC236}">
+                <a16:creationId xmlns:a16="http://schemas.microsoft.com/office/drawing/2014/main" id="{13D2826F-BB89-52DF-2215-8218D62DAB78}"/>
+              </a:ext>
+            </a:extLst>
+          </p:cNvPr>
+          <p:cNvPicPr>
+            <a:picLocks noChangeAspect="1"/>
+          </p:cNvPicPr>
+          <p:nvPr/>
+        </p:nvPicPr>
+        <p:blipFill>
+          <a:blip r:embed="rId2"/>
+          <a:stretch>
+            <a:fillRect/>
+          </a:stretch>
+        </p:blipFill>
+        <p:spPr>
+          <a:xfrm>
+            <a:off x="1100428" y="1569494"/>
+            <a:ext cx="10578773" cy="3684894"/>
+          </a:xfrm>
+          <a:prstGeom prst="rect">
+            <a:avLst/>
+          </a:prstGeom>
+        </p:spPr>
+      </p:pic>
+    </p:spTree>
+    <p:extLst>
+      <p:ext uri="{BB962C8B-B14F-4D97-AF65-F5344CB8AC3E}">
+        <p14:creationId xmlns:p14="http://schemas.microsoft.com/office/powerpoint/2010/main" val="3391293384"/>
+      </p:ext>
+    </p:extLst>
+  </p:cSld>
+  <p:clrMapOvr>
+    <a:masterClrMapping/>
+  </p:clrMapOvr>
+</p:sld>
+</file>
+
+<file path=ppt/slides/slide6.xml><?xml version="1.0" encoding="utf-8"?>
+<p:sld xmlns:a="http://schemas.openxmlformats.org/drawingml/2006/main" xmlns:r="http://schemas.openxmlformats.org/officeDocument/2006/relationships" xmlns:p="http://schemas.openxmlformats.org/presentationml/2006/main">
+  <p:cSld>
+    <p:spTree>
+      <p:nvGrpSpPr>
+        <p:cNvPr id="1" name=""/>
+        <p:cNvGrpSpPr/>
+        <p:nvPr/>
+      </p:nvGrpSpPr>
+      <p:grpSpPr>
+        <a:xfrm>
+          <a:off x="0" y="0"/>
+          <a:ext cx="0" cy="0"/>
+          <a:chOff x="0" y="0"/>
+          <a:chExt cx="0" cy="0"/>
+        </a:xfrm>
+      </p:grpSpPr>
+      <p:sp>
+        <p:nvSpPr>
+          <p:cNvPr id="2" name="عنوان 1">
+            <a:extLst>
+              <a:ext uri="{FF2B5EF4-FFF2-40B4-BE49-F238E27FC236}">
+                <a16:creationId xmlns:a16="http://schemas.microsoft.com/office/drawing/2014/main" id="{B0281B2D-93E2-65AC-55EE-D0B4DE4FFDD5}"/>
+              </a:ext>
+            </a:extLst>
+          </p:cNvPr>
+          <p:cNvSpPr>
+            <a:spLocks noGrp="1"/>
+          </p:cNvSpPr>
+          <p:nvPr>
+            <p:ph type="title"/>
+          </p:nvPr>
+        </p:nvSpPr>
+        <p:spPr/>
+        <p:txBody>
+          <a:bodyPr/>
+          <a:lstStyle/>
+          <a:p>
+            <a:r>
+              <a:rPr lang="en-US" dirty="0"/>
+              <a:t>Get Values</a:t>
+            </a:r>
+            <a:endParaRPr lang="ar-IL" dirty="0"/>
+          </a:p>
+        </p:txBody>
+      </p:sp>
+      <p:pic>
+        <p:nvPicPr>
+          <p:cNvPr id="5" name="صورة 4">
+            <a:extLst>
+              <a:ext uri="{FF2B5EF4-FFF2-40B4-BE49-F238E27FC236}">
+                <a16:creationId xmlns:a16="http://schemas.microsoft.com/office/drawing/2014/main" id="{61342C1C-E994-763F-0A68-F59E0A87CA01}"/>
+              </a:ext>
+            </a:extLst>
+          </p:cNvPr>
+          <p:cNvPicPr>
+            <a:picLocks noChangeAspect="1"/>
+          </p:cNvPicPr>
+          <p:nvPr/>
+        </p:nvPicPr>
+        <p:blipFill rotWithShape="1">
+          <a:blip r:embed="rId2"/>
+          <a:srcRect r="12514"/>
+          <a:stretch/>
+        </p:blipFill>
+        <p:spPr>
+          <a:xfrm>
+            <a:off x="1251678" y="1397536"/>
+            <a:ext cx="10036505" cy="3562064"/>
+          </a:xfrm>
+          <a:prstGeom prst="rect">
+            <a:avLst/>
+          </a:prstGeom>
+        </p:spPr>
+      </p:pic>
+    </p:spTree>
+    <p:extLst>
+      <p:ext uri="{BB962C8B-B14F-4D97-AF65-F5344CB8AC3E}">
+        <p14:creationId xmlns:p14="http://schemas.microsoft.com/office/powerpoint/2010/main" val="3105935740"/>
+      </p:ext>
+    </p:extLst>
+  </p:cSld>
+  <p:clrMapOvr>
+    <a:masterClrMapping/>
+  </p:clrMapOvr>
+</p:sld>
+</file>
+
+<file path=ppt/slides/slide7.xml><?xml version="1.0" encoding="utf-8"?>
+<p:sld xmlns:a="http://schemas.openxmlformats.org/drawingml/2006/main" xmlns:r="http://schemas.openxmlformats.org/officeDocument/2006/relationships" xmlns:p="http://schemas.openxmlformats.org/presentationml/2006/main">
+  <p:cSld>
+    <p:spTree>
+      <p:nvGrpSpPr>
+        <p:cNvPr id="1" name=""/>
+        <p:cNvGrpSpPr/>
+        <p:nvPr/>
+      </p:nvGrpSpPr>
+      <p:grpSpPr>
+        <a:xfrm>
+          <a:off x="0" y="0"/>
+          <a:ext cx="0" cy="0"/>
+          <a:chOff x="0" y="0"/>
+          <a:chExt cx="0" cy="0"/>
+        </a:xfrm>
+      </p:grpSpPr>
+      <p:sp>
+        <p:nvSpPr>
+          <p:cNvPr id="2" name="عنوان 1">
+            <a:extLst>
+              <a:ext uri="{FF2B5EF4-FFF2-40B4-BE49-F238E27FC236}">
+                <a16:creationId xmlns:a16="http://schemas.microsoft.com/office/drawing/2014/main" id="{C3214C8B-BE30-6873-1C9D-EAFEB98D660C}"/>
+              </a:ext>
+            </a:extLst>
+          </p:cNvPr>
+          <p:cNvSpPr>
+            <a:spLocks noGrp="1"/>
+          </p:cNvSpPr>
+          <p:nvPr>
+            <p:ph type="title"/>
+          </p:nvPr>
+        </p:nvSpPr>
+        <p:spPr/>
+        <p:txBody>
+          <a:bodyPr/>
+          <a:lstStyle/>
+          <a:p>
+            <a:r>
+              <a:rPr lang="en-US" dirty="0"/>
+              <a:t>Remove Values</a:t>
+            </a:r>
+            <a:endParaRPr lang="ar-IL" dirty="0"/>
+          </a:p>
+        </p:txBody>
+      </p:sp>
+      <p:pic>
+        <p:nvPicPr>
+          <p:cNvPr id="5" name="صورة 4">
+            <a:extLst>
+              <a:ext uri="{FF2B5EF4-FFF2-40B4-BE49-F238E27FC236}">
+                <a16:creationId xmlns:a16="http://schemas.microsoft.com/office/drawing/2014/main" id="{5F5798D5-5D12-AB4E-9EBC-6D05627B0771}"/>
+              </a:ext>
+            </a:extLst>
+          </p:cNvPr>
+          <p:cNvPicPr>
+            <a:picLocks noChangeAspect="1"/>
+          </p:cNvPicPr>
+          <p:nvPr/>
+        </p:nvPicPr>
+        <p:blipFill rotWithShape="1">
+          <a:blip r:embed="rId2"/>
+          <a:srcRect r="38934" b="14394"/>
+          <a:stretch/>
+        </p:blipFill>
+        <p:spPr>
+          <a:xfrm>
+            <a:off x="1251678" y="1874517"/>
+            <a:ext cx="10379431" cy="1755787"/>
+          </a:xfrm>
+          <a:prstGeom prst="rect">
+            <a:avLst/>
+          </a:prstGeom>
+        </p:spPr>
+      </p:pic>
+    </p:spTree>
+    <p:extLst>
+      <p:ext uri="{BB962C8B-B14F-4D97-AF65-F5344CB8AC3E}">
+        <p14:creationId xmlns:p14="http://schemas.microsoft.com/office/powerpoint/2010/main" val="1611259548"/>
+      </p:ext>
+    </p:extLst>
+  </p:cSld>
+  <p:clrMapOvr>
+    <a:masterClrMapping/>
+  </p:clrMapOvr>
+</p:sld>
+</file>
+
+<file path=ppt/slides/slide8.xml><?xml version="1.0" encoding="utf-8"?>
+<p:sld xmlns:a="http://schemas.openxmlformats.org/drawingml/2006/main" xmlns:r="http://schemas.openxmlformats.org/officeDocument/2006/relationships" xmlns:p="http://schemas.openxmlformats.org/presentationml/2006/main">
+  <p:cSld>
+    <p:spTree>
+      <p:nvGrpSpPr>
+        <p:cNvPr id="1" name=""/>
+        <p:cNvGrpSpPr/>
+        <p:nvPr/>
+      </p:nvGrpSpPr>
+      <p:grpSpPr>
+        <a:xfrm>
+          <a:off x="0" y="0"/>
+          <a:ext cx="0" cy="0"/>
+          <a:chOff x="0" y="0"/>
+          <a:chExt cx="0" cy="0"/>
+        </a:xfrm>
+      </p:grpSpPr>
+      <p:sp>
+        <p:nvSpPr>
+          <p:cNvPr id="2" name="عنوان 1">
+            <a:extLst>
+              <a:ext uri="{FF2B5EF4-FFF2-40B4-BE49-F238E27FC236}">
+                <a16:creationId xmlns:a16="http://schemas.microsoft.com/office/drawing/2014/main" id="{9F76FDB3-0E58-FF0F-B0EA-1829ABA6A25B}"/>
+              </a:ext>
+            </a:extLst>
+          </p:cNvPr>
+          <p:cNvSpPr>
+            <a:spLocks noGrp="1"/>
+          </p:cNvSpPr>
+          <p:nvPr>
+            <p:ph type="title"/>
+          </p:nvPr>
+        </p:nvSpPr>
+        <p:spPr/>
+        <p:txBody>
+          <a:bodyPr/>
+          <a:lstStyle/>
+          <a:p>
+            <a:r>
+              <a:rPr lang="en-US" dirty="0"/>
+              <a:t>Add Values As Map</a:t>
+            </a:r>
+            <a:endParaRPr lang="ar-IL" dirty="0"/>
+          </a:p>
+        </p:txBody>
+      </p:sp>
+      <p:pic>
+        <p:nvPicPr>
+          <p:cNvPr id="5" name="صورة 4">
+            <a:extLst>
+              <a:ext uri="{FF2B5EF4-FFF2-40B4-BE49-F238E27FC236}">
+                <a16:creationId xmlns:a16="http://schemas.microsoft.com/office/drawing/2014/main" id="{BEABC8F8-C499-6257-C83A-098479C49A2B}"/>
+              </a:ext>
+            </a:extLst>
+          </p:cNvPr>
+          <p:cNvPicPr>
+            <a:picLocks noChangeAspect="1"/>
+          </p:cNvPicPr>
+          <p:nvPr/>
+        </p:nvPicPr>
+        <p:blipFill rotWithShape="1">
+          <a:blip r:embed="rId2"/>
+          <a:srcRect r="27242"/>
+          <a:stretch/>
+        </p:blipFill>
+        <p:spPr>
+          <a:xfrm>
+            <a:off x="1251678" y="2291238"/>
+            <a:ext cx="10373558" cy="1788393"/>
+          </a:xfrm>
+          <a:prstGeom prst="rect">
+            <a:avLst/>
+          </a:prstGeom>
+        </p:spPr>
+      </p:pic>
+    </p:spTree>
+    <p:extLst>
+      <p:ext uri="{BB962C8B-B14F-4D97-AF65-F5344CB8AC3E}">
+        <p14:creationId xmlns:p14="http://schemas.microsoft.com/office/powerpoint/2010/main" val="343429084"/>
+      </p:ext>
+    </p:extLst>
+  </p:cSld>
+  <p:clrMapOvr>
+    <a:masterClrMapping/>
+  </p:clrMapOvr>
+</p:sld>
+</file>
+
+<file path=ppt/slides/slide9.xml><?xml version="1.0" encoding="utf-8"?>
+<p:sld xmlns:a="http://schemas.openxmlformats.org/drawingml/2006/main" xmlns:r="http://schemas.openxmlformats.org/officeDocument/2006/relationships" xmlns:p="http://schemas.openxmlformats.org/presentationml/2006/main">
+  <p:cSld>
+    <p:spTree>
+      <p:nvGrpSpPr>
+        <p:cNvPr id="1" name=""/>
+        <p:cNvGrpSpPr/>
+        <p:nvPr/>
+      </p:nvGrpSpPr>
+      <p:grpSpPr>
+        <a:xfrm>
+          <a:off x="0" y="0"/>
+          <a:ext cx="0" cy="0"/>
+          <a:chOff x="0" y="0"/>
+          <a:chExt cx="0" cy="0"/>
+        </a:xfrm>
+      </p:grpSpPr>
+      <p:sp>
+        <p:nvSpPr>
+          <p:cNvPr id="2" name="عنوان 1">
+            <a:extLst>
+              <a:ext uri="{FF2B5EF4-FFF2-40B4-BE49-F238E27FC236}">
+                <a16:creationId xmlns:a16="http://schemas.microsoft.com/office/drawing/2014/main" id="{23FFDF44-D37B-02D2-1F6D-5422DF3B0D70}"/>
+              </a:ext>
+            </a:extLst>
+          </p:cNvPr>
+          <p:cNvSpPr>
+            <a:spLocks noGrp="1"/>
+          </p:cNvSpPr>
+          <p:nvPr>
+            <p:ph type="title"/>
+          </p:nvPr>
+        </p:nvSpPr>
+        <p:spPr>
+          <a:xfrm>
+            <a:off x="1006839" y="2682934"/>
+            <a:ext cx="10178322" cy="1492132"/>
+          </a:xfrm>
+        </p:spPr>
+        <p:txBody>
+          <a:bodyPr/>
+          <a:lstStyle/>
+          <a:p>
+            <a:pPr algn="ctr"/>
+            <a:r>
+              <a:rPr lang="en-US" dirty="0"/>
+              <a:t>Breck</a:t>
+            </a:r>
+            <a:endParaRPr lang="ar-IL" dirty="0"/>
+          </a:p>
+        </p:txBody>
+      </p:sp>
+    </p:spTree>
+    <p:extLst>
+      <p:ext uri="{BB962C8B-B14F-4D97-AF65-F5344CB8AC3E}">
+        <p14:creationId xmlns:p14="http://schemas.microsoft.com/office/powerpoint/2010/main" val="2369700044"/>
       </p:ext>
     </p:extLst>
   </p:cSld>
